--- a/1_Planning/Capstone High Level Schedule.pptx
+++ b/1_Planning/Capstone High Level Schedule.pptx
@@ -209,7 +209,7 @@
           <a:p>
             <a:fld id="{542CD94E-ED9F-4B6E-9020-0E5D3BEE2030}" type="datetimeFigureOut">
               <a:rPr lang="en-US" smtClean="0"/>
-              <a:t>1/16/2018</a:t>
+              <a:t>2/8/2018</a:t>
             </a:fld>
             <a:endParaRPr lang="en-US"/>
           </a:p>
@@ -1443,7 +1443,7 @@
           </a:ln>
           <a:extLst>
             <a:ext uri="{C572A759-6A51-4108-AA02-DFA0A04FC94B}">
-              <ma14:wrappingTextBoxFlag xmlns="" xmlns:ma14="http://schemas.microsoft.com/office/mac/drawingml/2011/main" val="1"/>
+              <ma14:wrappingTextBoxFlag xmlns:ma14="http://schemas.microsoft.com/office/mac/drawingml/2011/main" xmlns="" val="1"/>
             </a:ext>
           </a:extLst>
         </p:spPr>
@@ -2971,7 +2971,7 @@
             <a:effectLst/>
             <a:extLst>
               <a:ext uri="{C572A759-6A51-4108-AA02-DFA0A04FC94B}">
-                <ma14:wrappingTextBoxFlag xmlns="" xmlns:ma14="http://schemas.microsoft.com/office/mac/drawingml/2011/main" val="1"/>
+                <ma14:wrappingTextBoxFlag xmlns:ma14="http://schemas.microsoft.com/office/mac/drawingml/2011/main" xmlns="" val="1"/>
               </a:ext>
             </a:extLst>
           </p:spPr>
@@ -3578,7 +3578,7 @@
           <a:effectLst/>
           <a:extLst>
             <a:ext uri="{C572A759-6A51-4108-AA02-DFA0A04FC94B}">
-              <ma14:wrappingTextBoxFlag xmlns="" xmlns:ma14="http://schemas.microsoft.com/office/mac/drawingml/2011/main" val="1"/>
+              <ma14:wrappingTextBoxFlag xmlns:ma14="http://schemas.microsoft.com/office/mac/drawingml/2011/main" xmlns="" val="1"/>
             </a:ext>
           </a:extLst>
         </p:spPr>
@@ -16885,8 +16885,8 @@
         </p:nvSpPr>
         <p:spPr>
           <a:xfrm>
-            <a:off x="2297872" y="5372773"/>
-            <a:ext cx="1901236" cy="256480"/>
+            <a:off x="2297872" y="5295829"/>
+            <a:ext cx="1901236" cy="410369"/>
           </a:xfrm>
           <a:prstGeom prst="rect">
             <a:avLst/>
@@ -16934,22 +16934,55 @@
               <a:tabLst/>
             </a:pPr>
             <a:r>
-              <a:rPr kumimoji="0" lang="en-US" sz="1000" b="0" i="0" u="none" strike="noStrike" cap="none" spc="0" normalizeH="0" baseline="0" dirty="0">
-                <a:ln>
-                  <a:noFill/>
-                </a:ln>
+              <a:rPr lang="en-US" sz="1000" dirty="0" smtClean="0">
                 <a:solidFill>
                   <a:schemeClr val="bg1"/>
                 </a:solidFill>
-                <a:effectLst/>
-                <a:uFillTx/>
-                <a:latin typeface="+mn-lt"/>
-                <a:ea typeface="+mn-ea"/>
-                <a:cs typeface="+mn-cs"/>
                 <a:sym typeface="Helvetica Light"/>
               </a:rPr>
-              <a:t>Design Freeze</a:t>
+              <a:t>Requirements</a:t>
             </a:r>
+          </a:p>
+          <a:p>
+            <a:pPr marL="0" marR="0" indent="0" algn="ctr" defTabSz="825500" rtl="0" fontAlgn="auto" latinLnBrk="0" hangingPunct="0">
+              <a:lnSpc>
+                <a:spcPct val="100000"/>
+              </a:lnSpc>
+              <a:spcBef>
+                <a:spcPts val="0"/>
+              </a:spcBef>
+              <a:spcAft>
+                <a:spcPts val="0"/>
+              </a:spcAft>
+              <a:buClrTx/>
+              <a:buSzTx/>
+              <a:buFontTx/>
+              <a:buNone/>
+              <a:tabLst/>
+            </a:pPr>
+            <a:r>
+              <a:rPr lang="en-US" sz="1000" dirty="0" smtClean="0">
+                <a:solidFill>
+                  <a:schemeClr val="bg1"/>
+                </a:solidFill>
+                <a:sym typeface="Helvetica Light"/>
+              </a:rPr>
+              <a:t>Freeze</a:t>
+            </a:r>
+            <a:endParaRPr kumimoji="0" lang="en-US" sz="1000" b="0" i="0" u="none" strike="noStrike" cap="none" spc="0" normalizeH="0" baseline="0" dirty="0">
+              <a:ln>
+                <a:noFill/>
+              </a:ln>
+              <a:solidFill>
+                <a:schemeClr val="bg1"/>
+              </a:solidFill>
+              <a:effectLst/>
+              <a:uFillTx/>
+              <a:latin typeface="+mn-lt"/>
+              <a:ea typeface="+mn-ea"/>
+              <a:cs typeface="+mn-cs"/>
+              <a:sym typeface="Helvetica Light"/>
+            </a:endParaRPr>
           </a:p>
         </p:txBody>
       </p:sp>
